--- a/graduation fieldwork/预答辩.pptx
+++ b/graduation fieldwork/预答辩.pptx
@@ -120,6 +120,11 @@
       </a:defRPr>
     </a:lvl9pPr>
   </p:defaultTextStyle>
+  <p:extLst>
+    <p:ext uri="{EFAFB233-063F-42B5-8137-9DF3F51BA10A}">
+      <p15:sldGuideLst xmlns:p15="http://schemas.microsoft.com/office/powerpoint/2012/main"/>
+    </p:ext>
+  </p:extLst>
 </p:presentation>
 </file>
 
@@ -254,7 +259,7 @@
           <a:p>
             <a:fld id="{46A3281C-3A01-4960-9C74-3DE450E8B2A9}" type="datetimeFigureOut">
               <a:rPr lang="zh-CN" altLang="en-US" smtClean="0"/>
-              <a:t>2015/3/24</a:t>
+              <a:t>2015/4/11</a:t>
             </a:fld>
             <a:endParaRPr lang="zh-CN" altLang="en-US"/>
           </a:p>
@@ -424,7 +429,7 @@
           <a:p>
             <a:fld id="{46A3281C-3A01-4960-9C74-3DE450E8B2A9}" type="datetimeFigureOut">
               <a:rPr lang="zh-CN" altLang="en-US" smtClean="0"/>
-              <a:t>2015/3/24</a:t>
+              <a:t>2015/4/11</a:t>
             </a:fld>
             <a:endParaRPr lang="zh-CN" altLang="en-US"/>
           </a:p>
@@ -604,7 +609,7 @@
           <a:p>
             <a:fld id="{46A3281C-3A01-4960-9C74-3DE450E8B2A9}" type="datetimeFigureOut">
               <a:rPr lang="zh-CN" altLang="en-US" smtClean="0"/>
-              <a:t>2015/3/24</a:t>
+              <a:t>2015/4/11</a:t>
             </a:fld>
             <a:endParaRPr lang="zh-CN" altLang="en-US"/>
           </a:p>
@@ -774,7 +779,7 @@
           <a:p>
             <a:fld id="{46A3281C-3A01-4960-9C74-3DE450E8B2A9}" type="datetimeFigureOut">
               <a:rPr lang="zh-CN" altLang="en-US" smtClean="0"/>
-              <a:t>2015/3/24</a:t>
+              <a:t>2015/4/11</a:t>
             </a:fld>
             <a:endParaRPr lang="zh-CN" altLang="en-US"/>
           </a:p>
@@ -1020,7 +1025,7 @@
           <a:p>
             <a:fld id="{46A3281C-3A01-4960-9C74-3DE450E8B2A9}" type="datetimeFigureOut">
               <a:rPr lang="zh-CN" altLang="en-US" smtClean="0"/>
-              <a:t>2015/3/24</a:t>
+              <a:t>2015/4/11</a:t>
             </a:fld>
             <a:endParaRPr lang="zh-CN" altLang="en-US"/>
           </a:p>
@@ -1252,7 +1257,7 @@
           <a:p>
             <a:fld id="{46A3281C-3A01-4960-9C74-3DE450E8B2A9}" type="datetimeFigureOut">
               <a:rPr lang="zh-CN" altLang="en-US" smtClean="0"/>
-              <a:t>2015/3/24</a:t>
+              <a:t>2015/4/11</a:t>
             </a:fld>
             <a:endParaRPr lang="zh-CN" altLang="en-US"/>
           </a:p>
@@ -1619,7 +1624,7 @@
           <a:p>
             <a:fld id="{46A3281C-3A01-4960-9C74-3DE450E8B2A9}" type="datetimeFigureOut">
               <a:rPr lang="zh-CN" altLang="en-US" smtClean="0"/>
-              <a:t>2015/3/24</a:t>
+              <a:t>2015/4/11</a:t>
             </a:fld>
             <a:endParaRPr lang="zh-CN" altLang="en-US"/>
           </a:p>
@@ -1737,7 +1742,7 @@
           <a:p>
             <a:fld id="{46A3281C-3A01-4960-9C74-3DE450E8B2A9}" type="datetimeFigureOut">
               <a:rPr lang="zh-CN" altLang="en-US" smtClean="0"/>
-              <a:t>2015/3/24</a:t>
+              <a:t>2015/4/11</a:t>
             </a:fld>
             <a:endParaRPr lang="zh-CN" altLang="en-US"/>
           </a:p>
@@ -1832,7 +1837,7 @@
           <a:p>
             <a:fld id="{46A3281C-3A01-4960-9C74-3DE450E8B2A9}" type="datetimeFigureOut">
               <a:rPr lang="zh-CN" altLang="en-US" smtClean="0"/>
-              <a:t>2015/3/24</a:t>
+              <a:t>2015/4/11</a:t>
             </a:fld>
             <a:endParaRPr lang="zh-CN" altLang="en-US"/>
           </a:p>
@@ -2109,7 +2114,7 @@
           <a:p>
             <a:fld id="{46A3281C-3A01-4960-9C74-3DE450E8B2A9}" type="datetimeFigureOut">
               <a:rPr lang="zh-CN" altLang="en-US" smtClean="0"/>
-              <a:t>2015/3/24</a:t>
+              <a:t>2015/4/11</a:t>
             </a:fld>
             <a:endParaRPr lang="zh-CN" altLang="en-US"/>
           </a:p>
@@ -2362,7 +2367,7 @@
           <a:p>
             <a:fld id="{46A3281C-3A01-4960-9C74-3DE450E8B2A9}" type="datetimeFigureOut">
               <a:rPr lang="zh-CN" altLang="en-US" smtClean="0"/>
-              <a:t>2015/3/24</a:t>
+              <a:t>2015/4/11</a:t>
             </a:fld>
             <a:endParaRPr lang="zh-CN" altLang="en-US"/>
           </a:p>
@@ -2575,7 +2580,7 @@
           <a:p>
             <a:fld id="{46A3281C-3A01-4960-9C74-3DE450E8B2A9}" type="datetimeFigureOut">
               <a:rPr lang="zh-CN" altLang="en-US" smtClean="0"/>
-              <a:t>2015/3/24</a:t>
+              <a:t>2015/4/11</a:t>
             </a:fld>
             <a:endParaRPr lang="zh-CN" altLang="en-US"/>
           </a:p>
@@ -4124,7 +4129,7 @@
               <a:buNone/>
             </a:pPr>
             <a:r>
-              <a:rPr lang="zh-CN" altLang="en-US" sz="3600">
+              <a:rPr lang="zh-CN" altLang="en-US" sz="3600" dirty="0">
                 <a:solidFill>
                   <a:srgbClr val="003366"/>
                 </a:solidFill>
